--- a/lesson_1_20170520/PresentationCodingMum.pptx
+++ b/lesson_1_20170520/PresentationCodingMum.pptx
@@ -3146,8 +3146,8 @@
         </p:nvSpPr>
         <p:spPr>
           <a:xfrm>
-            <a:off x="0" y="1357298"/>
-            <a:ext cx="9144000" cy="523220"/>
+            <a:off x="0" y="1214422"/>
+            <a:ext cx="9144000" cy="1200329"/>
           </a:xfrm>
           <a:prstGeom prst="rect">
             <a:avLst/>
@@ -3162,46 +3162,361 @@
           <a:p>
             <a:pPr algn="ctr"/>
             <a:r>
-              <a:rPr lang="en-US" sz="2800" b="1" dirty="0" err="1" smtClean="0">
+              <a:rPr lang="en-US" sz="3600" b="1" dirty="0" err="1" smtClean="0">
+                <a:ln w="10541" cmpd="sng">
+                  <a:solidFill>
+                    <a:schemeClr val="accent1">
+                      <a:shade val="88000"/>
+                      <a:satMod val="110000"/>
+                    </a:schemeClr>
+                  </a:solidFill>
+                  <a:prstDash val="solid"/>
+                </a:ln>
+                <a:gradFill>
+                  <a:gsLst>
+                    <a:gs pos="0">
+                      <a:schemeClr val="accent1">
+                        <a:tint val="40000"/>
+                        <a:satMod val="250000"/>
+                      </a:schemeClr>
+                    </a:gs>
+                    <a:gs pos="9000">
+                      <a:schemeClr val="accent1">
+                        <a:tint val="52000"/>
+                        <a:satMod val="300000"/>
+                      </a:schemeClr>
+                    </a:gs>
+                    <a:gs pos="50000">
+                      <a:schemeClr val="accent1">
+                        <a:shade val="20000"/>
+                        <a:satMod val="300000"/>
+                      </a:schemeClr>
+                    </a:gs>
+                    <a:gs pos="79000">
+                      <a:schemeClr val="accent1">
+                        <a:tint val="52000"/>
+                        <a:satMod val="300000"/>
+                      </a:schemeClr>
+                    </a:gs>
+                    <a:gs pos="100000">
+                      <a:schemeClr val="accent1">
+                        <a:tint val="40000"/>
+                        <a:satMod val="250000"/>
+                      </a:schemeClr>
+                    </a:gs>
+                  </a:gsLst>
+                  <a:lin ang="5400000"/>
+                </a:gradFill>
                 <a:latin typeface="Batang" pitchFamily="82" charset="-128"/>
                 <a:ea typeface="Batang" pitchFamily="82" charset="-128"/>
               </a:rPr>
               <a:t>Mengenal</a:t>
             </a:r>
             <a:r>
-              <a:rPr lang="en-US" sz="2800" b="1" dirty="0" smtClean="0">
+              <a:rPr lang="en-US" sz="3600" b="1" dirty="0" smtClean="0">
+                <a:ln w="10541" cmpd="sng">
+                  <a:solidFill>
+                    <a:schemeClr val="accent1">
+                      <a:shade val="88000"/>
+                      <a:satMod val="110000"/>
+                    </a:schemeClr>
+                  </a:solidFill>
+                  <a:prstDash val="solid"/>
+                </a:ln>
+                <a:gradFill>
+                  <a:gsLst>
+                    <a:gs pos="0">
+                      <a:schemeClr val="accent1">
+                        <a:tint val="40000"/>
+                        <a:satMod val="250000"/>
+                      </a:schemeClr>
+                    </a:gs>
+                    <a:gs pos="9000">
+                      <a:schemeClr val="accent1">
+                        <a:tint val="52000"/>
+                        <a:satMod val="300000"/>
+                      </a:schemeClr>
+                    </a:gs>
+                    <a:gs pos="50000">
+                      <a:schemeClr val="accent1">
+                        <a:shade val="20000"/>
+                        <a:satMod val="300000"/>
+                      </a:schemeClr>
+                    </a:gs>
+                    <a:gs pos="79000">
+                      <a:schemeClr val="accent1">
+                        <a:tint val="52000"/>
+                        <a:satMod val="300000"/>
+                      </a:schemeClr>
+                    </a:gs>
+                    <a:gs pos="100000">
+                      <a:schemeClr val="accent1">
+                        <a:tint val="40000"/>
+                        <a:satMod val="250000"/>
+                      </a:schemeClr>
+                    </a:gs>
+                  </a:gsLst>
+                  <a:lin ang="5400000"/>
+                </a:gradFill>
                 <a:latin typeface="Batang" pitchFamily="82" charset="-128"/>
                 <a:ea typeface="Batang" pitchFamily="82" charset="-128"/>
               </a:rPr>
               <a:t> </a:t>
             </a:r>
             <a:r>
-              <a:rPr lang="en-US" sz="2800" b="1" dirty="0" err="1" smtClean="0">
+              <a:rPr lang="en-US" sz="3600" b="1" dirty="0" err="1" smtClean="0">
+                <a:ln w="10541" cmpd="sng">
+                  <a:solidFill>
+                    <a:schemeClr val="accent1">
+                      <a:shade val="88000"/>
+                      <a:satMod val="110000"/>
+                    </a:schemeClr>
+                  </a:solidFill>
+                  <a:prstDash val="solid"/>
+                </a:ln>
+                <a:gradFill>
+                  <a:gsLst>
+                    <a:gs pos="0">
+                      <a:schemeClr val="accent1">
+                        <a:tint val="40000"/>
+                        <a:satMod val="250000"/>
+                      </a:schemeClr>
+                    </a:gs>
+                    <a:gs pos="9000">
+                      <a:schemeClr val="accent1">
+                        <a:tint val="52000"/>
+                        <a:satMod val="300000"/>
+                      </a:schemeClr>
+                    </a:gs>
+                    <a:gs pos="50000">
+                      <a:schemeClr val="accent1">
+                        <a:shade val="20000"/>
+                        <a:satMod val="300000"/>
+                      </a:schemeClr>
+                    </a:gs>
+                    <a:gs pos="79000">
+                      <a:schemeClr val="accent1">
+                        <a:tint val="52000"/>
+                        <a:satMod val="300000"/>
+                      </a:schemeClr>
+                    </a:gs>
+                    <a:gs pos="100000">
+                      <a:schemeClr val="accent1">
+                        <a:tint val="40000"/>
+                        <a:satMod val="250000"/>
+                      </a:schemeClr>
+                    </a:gs>
+                  </a:gsLst>
+                  <a:lin ang="5400000"/>
+                </a:gradFill>
                 <a:latin typeface="Batang" pitchFamily="82" charset="-128"/>
                 <a:ea typeface="Batang" pitchFamily="82" charset="-128"/>
               </a:rPr>
               <a:t>Teknologi</a:t>
             </a:r>
             <a:r>
-              <a:rPr lang="en-US" sz="2800" b="1" dirty="0" smtClean="0">
+              <a:rPr lang="en-US" sz="3600" b="1" dirty="0" smtClean="0">
+                <a:ln w="10541" cmpd="sng">
+                  <a:solidFill>
+                    <a:schemeClr val="accent1">
+                      <a:shade val="88000"/>
+                      <a:satMod val="110000"/>
+                    </a:schemeClr>
+                  </a:solidFill>
+                  <a:prstDash val="solid"/>
+                </a:ln>
+                <a:gradFill>
+                  <a:gsLst>
+                    <a:gs pos="0">
+                      <a:schemeClr val="accent1">
+                        <a:tint val="40000"/>
+                        <a:satMod val="250000"/>
+                      </a:schemeClr>
+                    </a:gs>
+                    <a:gs pos="9000">
+                      <a:schemeClr val="accent1">
+                        <a:tint val="52000"/>
+                        <a:satMod val="300000"/>
+                      </a:schemeClr>
+                    </a:gs>
+                    <a:gs pos="50000">
+                      <a:schemeClr val="accent1">
+                        <a:shade val="20000"/>
+                        <a:satMod val="300000"/>
+                      </a:schemeClr>
+                    </a:gs>
+                    <a:gs pos="79000">
+                      <a:schemeClr val="accent1">
+                        <a:tint val="52000"/>
+                        <a:satMod val="300000"/>
+                      </a:schemeClr>
+                    </a:gs>
+                    <a:gs pos="100000">
+                      <a:schemeClr val="accent1">
+                        <a:tint val="40000"/>
+                        <a:satMod val="250000"/>
+                      </a:schemeClr>
+                    </a:gs>
+                  </a:gsLst>
+                  <a:lin ang="5400000"/>
+                </a:gradFill>
                 <a:latin typeface="Batang" pitchFamily="82" charset="-128"/>
                 <a:ea typeface="Batang" pitchFamily="82" charset="-128"/>
               </a:rPr>
               <a:t> </a:t>
             </a:r>
             <a:r>
-              <a:rPr lang="en-US" sz="2800" b="1" dirty="0" err="1" smtClean="0">
+              <a:rPr lang="en-US" sz="3600" b="1" dirty="0" err="1" smtClean="0">
+                <a:ln w="10541" cmpd="sng">
+                  <a:solidFill>
+                    <a:schemeClr val="accent1">
+                      <a:shade val="88000"/>
+                      <a:satMod val="110000"/>
+                    </a:schemeClr>
+                  </a:solidFill>
+                  <a:prstDash val="solid"/>
+                </a:ln>
+                <a:gradFill>
+                  <a:gsLst>
+                    <a:gs pos="0">
+                      <a:schemeClr val="accent1">
+                        <a:tint val="40000"/>
+                        <a:satMod val="250000"/>
+                      </a:schemeClr>
+                    </a:gs>
+                    <a:gs pos="9000">
+                      <a:schemeClr val="accent1">
+                        <a:tint val="52000"/>
+                        <a:satMod val="300000"/>
+                      </a:schemeClr>
+                    </a:gs>
+                    <a:gs pos="50000">
+                      <a:schemeClr val="accent1">
+                        <a:shade val="20000"/>
+                        <a:satMod val="300000"/>
+                      </a:schemeClr>
+                    </a:gs>
+                    <a:gs pos="79000">
+                      <a:schemeClr val="accent1">
+                        <a:tint val="52000"/>
+                        <a:satMod val="300000"/>
+                      </a:schemeClr>
+                    </a:gs>
+                    <a:gs pos="100000">
+                      <a:schemeClr val="accent1">
+                        <a:tint val="40000"/>
+                        <a:satMod val="250000"/>
+                      </a:schemeClr>
+                    </a:gs>
+                  </a:gsLst>
+                  <a:lin ang="5400000"/>
+                </a:gradFill>
                 <a:latin typeface="Batang" pitchFamily="82" charset="-128"/>
                 <a:ea typeface="Batang" pitchFamily="82" charset="-128"/>
               </a:rPr>
               <a:t>Pengembangan</a:t>
             </a:r>
             <a:r>
-              <a:rPr lang="en-US" sz="2800" b="1" dirty="0" smtClean="0">
-                <a:latin typeface="Batang" pitchFamily="82" charset="-128"/>
-                <a:ea typeface="Batang" pitchFamily="82" charset="-128"/>
-              </a:rPr>
-              <a:t> Website</a:t>
+              <a:rPr lang="en-US" sz="3600" b="1" dirty="0" smtClean="0">
+                <a:ln w="10541" cmpd="sng">
+                  <a:solidFill>
+                    <a:schemeClr val="accent1">
+                      <a:shade val="88000"/>
+                      <a:satMod val="110000"/>
+                    </a:schemeClr>
+                  </a:solidFill>
+                  <a:prstDash val="solid"/>
+                </a:ln>
+                <a:gradFill>
+                  <a:gsLst>
+                    <a:gs pos="0">
+                      <a:schemeClr val="accent1">
+                        <a:tint val="40000"/>
+                        <a:satMod val="250000"/>
+                      </a:schemeClr>
+                    </a:gs>
+                    <a:gs pos="9000">
+                      <a:schemeClr val="accent1">
+                        <a:tint val="52000"/>
+                        <a:satMod val="300000"/>
+                      </a:schemeClr>
+                    </a:gs>
+                    <a:gs pos="50000">
+                      <a:schemeClr val="accent1">
+                        <a:shade val="20000"/>
+                        <a:satMod val="300000"/>
+                      </a:schemeClr>
+                    </a:gs>
+                    <a:gs pos="79000">
+                      <a:schemeClr val="accent1">
+                        <a:tint val="52000"/>
+                        <a:satMod val="300000"/>
+                      </a:schemeClr>
+                    </a:gs>
+                    <a:gs pos="100000">
+                      <a:schemeClr val="accent1">
+                        <a:tint val="40000"/>
+                        <a:satMod val="250000"/>
+                      </a:schemeClr>
+                    </a:gs>
+                  </a:gsLst>
+                  <a:lin ang="5400000"/>
+                </a:gradFill>
+                <a:latin typeface="Batang" pitchFamily="82" charset="-128"/>
+                <a:ea typeface="Batang" pitchFamily="82" charset="-128"/>
+              </a:rPr>
+              <a:t> </a:t>
+            </a:r>
+            <a:r>
+              <a:rPr lang="en-US" sz="3600" b="1" dirty="0" smtClean="0">
+                <a:ln w="10541" cmpd="sng">
+                  <a:solidFill>
+                    <a:schemeClr val="accent1">
+                      <a:shade val="88000"/>
+                      <a:satMod val="110000"/>
+                    </a:schemeClr>
+                  </a:solidFill>
+                  <a:prstDash val="solid"/>
+                </a:ln>
+                <a:gradFill>
+                  <a:gsLst>
+                    <a:gs pos="0">
+                      <a:schemeClr val="accent1">
+                        <a:tint val="40000"/>
+                        <a:satMod val="250000"/>
+                      </a:schemeClr>
+                    </a:gs>
+                    <a:gs pos="9000">
+                      <a:schemeClr val="accent1">
+                        <a:tint val="52000"/>
+                        <a:satMod val="300000"/>
+                      </a:schemeClr>
+                    </a:gs>
+                    <a:gs pos="50000">
+                      <a:schemeClr val="accent1">
+                        <a:shade val="20000"/>
+                        <a:satMod val="300000"/>
+                      </a:schemeClr>
+                    </a:gs>
+                    <a:gs pos="79000">
+                      <a:schemeClr val="accent1">
+                        <a:tint val="52000"/>
+                        <a:satMod val="300000"/>
+                      </a:schemeClr>
+                    </a:gs>
+                    <a:gs pos="100000">
+                      <a:schemeClr val="accent1">
+                        <a:tint val="40000"/>
+                        <a:satMod val="250000"/>
+                      </a:schemeClr>
+                    </a:gs>
+                  </a:gsLst>
+                  <a:lin ang="5400000"/>
+                </a:gradFill>
+                <a:latin typeface="Batang" pitchFamily="82" charset="-128"/>
+                <a:ea typeface="Batang" pitchFamily="82" charset="-128"/>
+              </a:rPr>
+              <a:t>Website</a:t>
             </a:r>
           </a:p>
         </p:txBody>
@@ -3280,12 +3595,100 @@
             <a:pPr algn="ctr"/>
             <a:r>
               <a:rPr lang="en-US" sz="3600" b="1" dirty="0" smtClean="0">
+                <a:ln w="10541" cmpd="sng">
+                  <a:solidFill>
+                    <a:schemeClr val="accent1">
+                      <a:shade val="88000"/>
+                      <a:satMod val="110000"/>
+                    </a:schemeClr>
+                  </a:solidFill>
+                  <a:prstDash val="solid"/>
+                </a:ln>
+                <a:gradFill>
+                  <a:gsLst>
+                    <a:gs pos="0">
+                      <a:schemeClr val="accent1">
+                        <a:tint val="40000"/>
+                        <a:satMod val="250000"/>
+                      </a:schemeClr>
+                    </a:gs>
+                    <a:gs pos="9000">
+                      <a:schemeClr val="accent1">
+                        <a:tint val="52000"/>
+                        <a:satMod val="300000"/>
+                      </a:schemeClr>
+                    </a:gs>
+                    <a:gs pos="50000">
+                      <a:schemeClr val="accent1">
+                        <a:shade val="20000"/>
+                        <a:satMod val="300000"/>
+                      </a:schemeClr>
+                    </a:gs>
+                    <a:gs pos="79000">
+                      <a:schemeClr val="accent1">
+                        <a:tint val="52000"/>
+                        <a:satMod val="300000"/>
+                      </a:schemeClr>
+                    </a:gs>
+                    <a:gs pos="100000">
+                      <a:schemeClr val="accent1">
+                        <a:tint val="40000"/>
+                        <a:satMod val="250000"/>
+                      </a:schemeClr>
+                    </a:gs>
+                  </a:gsLst>
+                  <a:lin ang="5400000"/>
+                </a:gradFill>
                 <a:latin typeface="Batang" pitchFamily="82" charset="-128"/>
                 <a:ea typeface="Batang" pitchFamily="82" charset="-128"/>
               </a:rPr>
               <a:t>Web Development Technologies</a:t>
             </a:r>
             <a:endParaRPr lang="en-US" sz="3600" b="1" dirty="0">
+              <a:ln w="10541" cmpd="sng">
+                <a:solidFill>
+                  <a:schemeClr val="accent1">
+                    <a:shade val="88000"/>
+                    <a:satMod val="110000"/>
+                  </a:schemeClr>
+                </a:solidFill>
+                <a:prstDash val="solid"/>
+              </a:ln>
+              <a:gradFill>
+                <a:gsLst>
+                  <a:gs pos="0">
+                    <a:schemeClr val="accent1">
+                      <a:tint val="40000"/>
+                      <a:satMod val="250000"/>
+                    </a:schemeClr>
+                  </a:gs>
+                  <a:gs pos="9000">
+                    <a:schemeClr val="accent1">
+                      <a:tint val="52000"/>
+                      <a:satMod val="300000"/>
+                    </a:schemeClr>
+                  </a:gs>
+                  <a:gs pos="50000">
+                    <a:schemeClr val="accent1">
+                      <a:shade val="20000"/>
+                      <a:satMod val="300000"/>
+                    </a:schemeClr>
+                  </a:gs>
+                  <a:gs pos="79000">
+                    <a:schemeClr val="accent1">
+                      <a:tint val="52000"/>
+                      <a:satMod val="300000"/>
+                    </a:schemeClr>
+                  </a:gs>
+                  <a:gs pos="100000">
+                    <a:schemeClr val="accent1">
+                      <a:tint val="40000"/>
+                      <a:satMod val="250000"/>
+                    </a:schemeClr>
+                  </a:gs>
+                </a:gsLst>
+                <a:lin ang="5400000"/>
+              </a:gradFill>
               <a:latin typeface="Batang" pitchFamily="82" charset="-128"/>
               <a:ea typeface="Batang" pitchFamily="82" charset="-128"/>
             </a:endParaRPr>
@@ -3390,12 +3793,100 @@
             <a:pPr algn="ctr"/>
             <a:r>
               <a:rPr lang="en-US" sz="3600" b="1" dirty="0" smtClean="0">
+                <a:ln w="10541" cmpd="sng">
+                  <a:solidFill>
+                    <a:schemeClr val="accent1">
+                      <a:shade val="88000"/>
+                      <a:satMod val="110000"/>
+                    </a:schemeClr>
+                  </a:solidFill>
+                  <a:prstDash val="solid"/>
+                </a:ln>
+                <a:gradFill>
+                  <a:gsLst>
+                    <a:gs pos="0">
+                      <a:schemeClr val="accent1">
+                        <a:tint val="40000"/>
+                        <a:satMod val="250000"/>
+                      </a:schemeClr>
+                    </a:gs>
+                    <a:gs pos="9000">
+                      <a:schemeClr val="accent1">
+                        <a:tint val="52000"/>
+                        <a:satMod val="300000"/>
+                      </a:schemeClr>
+                    </a:gs>
+                    <a:gs pos="50000">
+                      <a:schemeClr val="accent1">
+                        <a:shade val="20000"/>
+                        <a:satMod val="300000"/>
+                      </a:schemeClr>
+                    </a:gs>
+                    <a:gs pos="79000">
+                      <a:schemeClr val="accent1">
+                        <a:tint val="52000"/>
+                        <a:satMod val="300000"/>
+                      </a:schemeClr>
+                    </a:gs>
+                    <a:gs pos="100000">
+                      <a:schemeClr val="accent1">
+                        <a:tint val="40000"/>
+                        <a:satMod val="250000"/>
+                      </a:schemeClr>
+                    </a:gs>
+                  </a:gsLst>
+                  <a:lin ang="5400000"/>
+                </a:gradFill>
                 <a:latin typeface="Batang" pitchFamily="82" charset="-128"/>
                 <a:ea typeface="Batang" pitchFamily="82" charset="-128"/>
               </a:rPr>
               <a:t>Web Development Technologies</a:t>
             </a:r>
             <a:endParaRPr lang="en-US" sz="3600" b="1" dirty="0">
+              <a:ln w="10541" cmpd="sng">
+                <a:solidFill>
+                  <a:schemeClr val="accent1">
+                    <a:shade val="88000"/>
+                    <a:satMod val="110000"/>
+                  </a:schemeClr>
+                </a:solidFill>
+                <a:prstDash val="solid"/>
+              </a:ln>
+              <a:gradFill>
+                <a:gsLst>
+                  <a:gs pos="0">
+                    <a:schemeClr val="accent1">
+                      <a:tint val="40000"/>
+                      <a:satMod val="250000"/>
+                    </a:schemeClr>
+                  </a:gs>
+                  <a:gs pos="9000">
+                    <a:schemeClr val="accent1">
+                      <a:tint val="52000"/>
+                      <a:satMod val="300000"/>
+                    </a:schemeClr>
+                  </a:gs>
+                  <a:gs pos="50000">
+                    <a:schemeClr val="accent1">
+                      <a:shade val="20000"/>
+                      <a:satMod val="300000"/>
+                    </a:schemeClr>
+                  </a:gs>
+                  <a:gs pos="79000">
+                    <a:schemeClr val="accent1">
+                      <a:tint val="52000"/>
+                      <a:satMod val="300000"/>
+                    </a:schemeClr>
+                  </a:gs>
+                  <a:gs pos="100000">
+                    <a:schemeClr val="accent1">
+                      <a:tint val="40000"/>
+                      <a:satMod val="250000"/>
+                    </a:schemeClr>
+                  </a:gs>
+                </a:gsLst>
+                <a:lin ang="5400000"/>
+              </a:gradFill>
               <a:latin typeface="Batang" pitchFamily="82" charset="-128"/>
               <a:ea typeface="Batang" pitchFamily="82" charset="-128"/>
             </a:endParaRPr>
@@ -4146,8 +4637,8 @@
         </p:nvSpPr>
         <p:spPr>
           <a:xfrm>
-            <a:off x="2643174" y="714356"/>
-            <a:ext cx="6215106" cy="2428892"/>
+            <a:off x="2143108" y="71414"/>
+            <a:ext cx="6215106" cy="2143164"/>
           </a:xfrm>
           <a:prstGeom prst="ellipse">
             <a:avLst/>
@@ -4184,7 +4675,7 @@
         </p:nvSpPr>
         <p:spPr>
           <a:xfrm>
-            <a:off x="2928926" y="1357298"/>
+            <a:off x="2428860" y="571480"/>
             <a:ext cx="5786478" cy="1200329"/>
           </a:xfrm>
           <a:prstGeom prst="rect">
@@ -4303,6 +4794,30 @@
           <a:xfrm>
             <a:off x="-214346" y="928670"/>
             <a:ext cx="4825397" cy="4825397"/>
+          </a:xfrm>
+          <a:prstGeom prst="rect">
+            <a:avLst/>
+          </a:prstGeom>
+        </p:spPr>
+      </p:pic>
+      <p:pic>
+        <p:nvPicPr>
+          <p:cNvPr id="8" name="Picture 7" descr="1-Mgd1-1-mkYm5VIvIrVKZXg.png"/>
+          <p:cNvPicPr>
+            <a:picLocks noChangeAspect="1"/>
+          </p:cNvPicPr>
+          <p:nvPr/>
+        </p:nvPicPr>
+        <p:blipFill>
+          <a:blip r:embed="rId4"/>
+          <a:stretch>
+            <a:fillRect/>
+          </a:stretch>
+        </p:blipFill>
+        <p:spPr>
+          <a:xfrm>
+            <a:off x="4572000" y="2285995"/>
+            <a:ext cx="3357586" cy="3357583"/>
           </a:xfrm>
           <a:prstGeom prst="rect">
             <a:avLst/>
@@ -4383,12 +4898,100 @@
             <a:pPr algn="ctr"/>
             <a:r>
               <a:rPr lang="en-US" sz="3600" b="1" dirty="0" smtClean="0">
+                <a:ln w="10541" cmpd="sng">
+                  <a:solidFill>
+                    <a:schemeClr val="accent1">
+                      <a:shade val="88000"/>
+                      <a:satMod val="110000"/>
+                    </a:schemeClr>
+                  </a:solidFill>
+                  <a:prstDash val="solid"/>
+                </a:ln>
+                <a:gradFill>
+                  <a:gsLst>
+                    <a:gs pos="0">
+                      <a:schemeClr val="accent1">
+                        <a:tint val="40000"/>
+                        <a:satMod val="250000"/>
+                      </a:schemeClr>
+                    </a:gs>
+                    <a:gs pos="9000">
+                      <a:schemeClr val="accent1">
+                        <a:tint val="52000"/>
+                        <a:satMod val="300000"/>
+                      </a:schemeClr>
+                    </a:gs>
+                    <a:gs pos="50000">
+                      <a:schemeClr val="accent1">
+                        <a:shade val="20000"/>
+                        <a:satMod val="300000"/>
+                      </a:schemeClr>
+                    </a:gs>
+                    <a:gs pos="79000">
+                      <a:schemeClr val="accent1">
+                        <a:tint val="52000"/>
+                        <a:satMod val="300000"/>
+                      </a:schemeClr>
+                    </a:gs>
+                    <a:gs pos="100000">
+                      <a:schemeClr val="accent1">
+                        <a:tint val="40000"/>
+                        <a:satMod val="250000"/>
+                      </a:schemeClr>
+                    </a:gs>
+                  </a:gsLst>
+                  <a:lin ang="5400000"/>
+                </a:gradFill>
                 <a:latin typeface="Batang" pitchFamily="82" charset="-128"/>
                 <a:ea typeface="Batang" pitchFamily="82" charset="-128"/>
               </a:rPr>
               <a:t>Website Development Tools</a:t>
             </a:r>
             <a:endParaRPr lang="en-US" sz="3600" b="1" dirty="0">
+              <a:ln w="10541" cmpd="sng">
+                <a:solidFill>
+                  <a:schemeClr val="accent1">
+                    <a:shade val="88000"/>
+                    <a:satMod val="110000"/>
+                  </a:schemeClr>
+                </a:solidFill>
+                <a:prstDash val="solid"/>
+              </a:ln>
+              <a:gradFill>
+                <a:gsLst>
+                  <a:gs pos="0">
+                    <a:schemeClr val="accent1">
+                      <a:tint val="40000"/>
+                      <a:satMod val="250000"/>
+                    </a:schemeClr>
+                  </a:gs>
+                  <a:gs pos="9000">
+                    <a:schemeClr val="accent1">
+                      <a:tint val="52000"/>
+                      <a:satMod val="300000"/>
+                    </a:schemeClr>
+                  </a:gs>
+                  <a:gs pos="50000">
+                    <a:schemeClr val="accent1">
+                      <a:shade val="20000"/>
+                      <a:satMod val="300000"/>
+                    </a:schemeClr>
+                  </a:gs>
+                  <a:gs pos="79000">
+                    <a:schemeClr val="accent1">
+                      <a:tint val="52000"/>
+                      <a:satMod val="300000"/>
+                    </a:schemeClr>
+                  </a:gs>
+                  <a:gs pos="100000">
+                    <a:schemeClr val="accent1">
+                      <a:tint val="40000"/>
+                      <a:satMod val="250000"/>
+                    </a:schemeClr>
+                  </a:gs>
+                </a:gsLst>
+                <a:lin ang="5400000"/>
+              </a:gradFill>
               <a:latin typeface="Batang" pitchFamily="82" charset="-128"/>
               <a:ea typeface="Batang" pitchFamily="82" charset="-128"/>
             </a:endParaRPr>
@@ -5399,6 +6002,50 @@
             </a:pPr>
             <a:r>
               <a:rPr lang="en-US" sz="3600" b="1" dirty="0" err="1" smtClean="0">
+                <a:ln w="10541" cmpd="sng">
+                  <a:solidFill>
+                    <a:schemeClr val="accent1">
+                      <a:shade val="88000"/>
+                      <a:satMod val="110000"/>
+                    </a:schemeClr>
+                  </a:solidFill>
+                  <a:prstDash val="solid"/>
+                </a:ln>
+                <a:gradFill>
+                  <a:gsLst>
+                    <a:gs pos="0">
+                      <a:schemeClr val="accent1">
+                        <a:tint val="40000"/>
+                        <a:satMod val="250000"/>
+                      </a:schemeClr>
+                    </a:gs>
+                    <a:gs pos="9000">
+                      <a:schemeClr val="accent1">
+                        <a:tint val="52000"/>
+                        <a:satMod val="300000"/>
+                      </a:schemeClr>
+                    </a:gs>
+                    <a:gs pos="50000">
+                      <a:schemeClr val="accent1">
+                        <a:shade val="20000"/>
+                        <a:satMod val="300000"/>
+                      </a:schemeClr>
+                    </a:gs>
+                    <a:gs pos="79000">
+                      <a:schemeClr val="accent1">
+                        <a:tint val="52000"/>
+                        <a:satMod val="300000"/>
+                      </a:schemeClr>
+                    </a:gs>
+                    <a:gs pos="100000">
+                      <a:schemeClr val="accent1">
+                        <a:tint val="40000"/>
+                        <a:satMod val="250000"/>
+                      </a:schemeClr>
+                    </a:gs>
+                  </a:gsLst>
+                  <a:lin ang="5400000"/>
+                </a:gradFill>
                 <a:latin typeface="Batang" pitchFamily="82" charset="-128"/>
                 <a:ea typeface="Batang" pitchFamily="82" charset="-128"/>
               </a:rPr>
@@ -5406,6 +6053,50 @@
             </a:r>
             <a:r>
               <a:rPr lang="en-US" sz="3600" b="1" dirty="0" smtClean="0">
+                <a:ln w="10541" cmpd="sng">
+                  <a:solidFill>
+                    <a:schemeClr val="accent1">
+                      <a:shade val="88000"/>
+                      <a:satMod val="110000"/>
+                    </a:schemeClr>
+                  </a:solidFill>
+                  <a:prstDash val="solid"/>
+                </a:ln>
+                <a:gradFill>
+                  <a:gsLst>
+                    <a:gs pos="0">
+                      <a:schemeClr val="accent1">
+                        <a:tint val="40000"/>
+                        <a:satMod val="250000"/>
+                      </a:schemeClr>
+                    </a:gs>
+                    <a:gs pos="9000">
+                      <a:schemeClr val="accent1">
+                        <a:tint val="52000"/>
+                        <a:satMod val="300000"/>
+                      </a:schemeClr>
+                    </a:gs>
+                    <a:gs pos="50000">
+                      <a:schemeClr val="accent1">
+                        <a:shade val="20000"/>
+                        <a:satMod val="300000"/>
+                      </a:schemeClr>
+                    </a:gs>
+                    <a:gs pos="79000">
+                      <a:schemeClr val="accent1">
+                        <a:tint val="52000"/>
+                        <a:satMod val="300000"/>
+                      </a:schemeClr>
+                    </a:gs>
+                    <a:gs pos="100000">
+                      <a:schemeClr val="accent1">
+                        <a:tint val="40000"/>
+                        <a:satMod val="250000"/>
+                      </a:schemeClr>
+                    </a:gs>
+                  </a:gsLst>
+                  <a:lin ang="5400000"/>
+                </a:gradFill>
                 <a:latin typeface="Batang" pitchFamily="82" charset="-128"/>
                 <a:ea typeface="Batang" pitchFamily="82" charset="-128"/>
               </a:rPr>
@@ -5413,6 +6104,50 @@
             </a:r>
             <a:r>
               <a:rPr lang="en-US" sz="3600" b="1" dirty="0" err="1" smtClean="0">
+                <a:ln w="10541" cmpd="sng">
+                  <a:solidFill>
+                    <a:schemeClr val="accent1">
+                      <a:shade val="88000"/>
+                      <a:satMod val="110000"/>
+                    </a:schemeClr>
+                  </a:solidFill>
+                  <a:prstDash val="solid"/>
+                </a:ln>
+                <a:gradFill>
+                  <a:gsLst>
+                    <a:gs pos="0">
+                      <a:schemeClr val="accent1">
+                        <a:tint val="40000"/>
+                        <a:satMod val="250000"/>
+                      </a:schemeClr>
+                    </a:gs>
+                    <a:gs pos="9000">
+                      <a:schemeClr val="accent1">
+                        <a:tint val="52000"/>
+                        <a:satMod val="300000"/>
+                      </a:schemeClr>
+                    </a:gs>
+                    <a:gs pos="50000">
+                      <a:schemeClr val="accent1">
+                        <a:shade val="20000"/>
+                        <a:satMod val="300000"/>
+                      </a:schemeClr>
+                    </a:gs>
+                    <a:gs pos="79000">
+                      <a:schemeClr val="accent1">
+                        <a:tint val="52000"/>
+                        <a:satMod val="300000"/>
+                      </a:schemeClr>
+                    </a:gs>
+                    <a:gs pos="100000">
+                      <a:schemeClr val="accent1">
+                        <a:tint val="40000"/>
+                        <a:satMod val="250000"/>
+                      </a:schemeClr>
+                    </a:gs>
+                  </a:gsLst>
+                  <a:lin ang="5400000"/>
+                </a:gradFill>
                 <a:latin typeface="Batang" pitchFamily="82" charset="-128"/>
                 <a:ea typeface="Batang" pitchFamily="82" charset="-128"/>
               </a:rPr>
@@ -5420,6 +6155,50 @@
             </a:r>
             <a:r>
               <a:rPr lang="en-US" sz="3600" b="1" dirty="0" smtClean="0">
+                <a:ln w="10541" cmpd="sng">
+                  <a:solidFill>
+                    <a:schemeClr val="accent1">
+                      <a:shade val="88000"/>
+                      <a:satMod val="110000"/>
+                    </a:schemeClr>
+                  </a:solidFill>
+                  <a:prstDash val="solid"/>
+                </a:ln>
+                <a:gradFill>
+                  <a:gsLst>
+                    <a:gs pos="0">
+                      <a:schemeClr val="accent1">
+                        <a:tint val="40000"/>
+                        <a:satMod val="250000"/>
+                      </a:schemeClr>
+                    </a:gs>
+                    <a:gs pos="9000">
+                      <a:schemeClr val="accent1">
+                        <a:tint val="52000"/>
+                        <a:satMod val="300000"/>
+                      </a:schemeClr>
+                    </a:gs>
+                    <a:gs pos="50000">
+                      <a:schemeClr val="accent1">
+                        <a:shade val="20000"/>
+                        <a:satMod val="300000"/>
+                      </a:schemeClr>
+                    </a:gs>
+                    <a:gs pos="79000">
+                      <a:schemeClr val="accent1">
+                        <a:tint val="52000"/>
+                        <a:satMod val="300000"/>
+                      </a:schemeClr>
+                    </a:gs>
+                    <a:gs pos="100000">
+                      <a:schemeClr val="accent1">
+                        <a:tint val="40000"/>
+                        <a:satMod val="250000"/>
+                      </a:schemeClr>
+                    </a:gs>
+                  </a:gsLst>
+                  <a:lin ang="5400000"/>
+                </a:gradFill>
                 <a:latin typeface="Batang" pitchFamily="82" charset="-128"/>
                 <a:ea typeface="Batang" pitchFamily="82" charset="-128"/>
               </a:rPr>
@@ -5427,6 +6206,50 @@
             </a:r>
             <a:r>
               <a:rPr lang="en-US" sz="3600" b="1" dirty="0" err="1" smtClean="0">
+                <a:ln w="10541" cmpd="sng">
+                  <a:solidFill>
+                    <a:schemeClr val="accent1">
+                      <a:shade val="88000"/>
+                      <a:satMod val="110000"/>
+                    </a:schemeClr>
+                  </a:solidFill>
+                  <a:prstDash val="solid"/>
+                </a:ln>
+                <a:gradFill>
+                  <a:gsLst>
+                    <a:gs pos="0">
+                      <a:schemeClr val="accent1">
+                        <a:tint val="40000"/>
+                        <a:satMod val="250000"/>
+                      </a:schemeClr>
+                    </a:gs>
+                    <a:gs pos="9000">
+                      <a:schemeClr val="accent1">
+                        <a:tint val="52000"/>
+                        <a:satMod val="300000"/>
+                      </a:schemeClr>
+                    </a:gs>
+                    <a:gs pos="50000">
+                      <a:schemeClr val="accent1">
+                        <a:shade val="20000"/>
+                        <a:satMod val="300000"/>
+                      </a:schemeClr>
+                    </a:gs>
+                    <a:gs pos="79000">
+                      <a:schemeClr val="accent1">
+                        <a:tint val="52000"/>
+                        <a:satMod val="300000"/>
+                      </a:schemeClr>
+                    </a:gs>
+                    <a:gs pos="100000">
+                      <a:schemeClr val="accent1">
+                        <a:tint val="40000"/>
+                        <a:satMod val="250000"/>
+                      </a:schemeClr>
+                    </a:gs>
+                  </a:gsLst>
+                  <a:lin ang="5400000"/>
+                </a:gradFill>
                 <a:latin typeface="Batang" pitchFamily="82" charset="-128"/>
                 <a:ea typeface="Batang" pitchFamily="82" charset="-128"/>
               </a:rPr>
@@ -5434,12 +6257,100 @@
             </a:r>
             <a:r>
               <a:rPr lang="en-US" sz="3600" b="1" dirty="0" smtClean="0">
+                <a:ln w="10541" cmpd="sng">
+                  <a:solidFill>
+                    <a:schemeClr val="accent1">
+                      <a:shade val="88000"/>
+                      <a:satMod val="110000"/>
+                    </a:schemeClr>
+                  </a:solidFill>
+                  <a:prstDash val="solid"/>
+                </a:ln>
+                <a:gradFill>
+                  <a:gsLst>
+                    <a:gs pos="0">
+                      <a:schemeClr val="accent1">
+                        <a:tint val="40000"/>
+                        <a:satMod val="250000"/>
+                      </a:schemeClr>
+                    </a:gs>
+                    <a:gs pos="9000">
+                      <a:schemeClr val="accent1">
+                        <a:tint val="52000"/>
+                        <a:satMod val="300000"/>
+                      </a:schemeClr>
+                    </a:gs>
+                    <a:gs pos="50000">
+                      <a:schemeClr val="accent1">
+                        <a:shade val="20000"/>
+                        <a:satMod val="300000"/>
+                      </a:schemeClr>
+                    </a:gs>
+                    <a:gs pos="79000">
+                      <a:schemeClr val="accent1">
+                        <a:tint val="52000"/>
+                        <a:satMod val="300000"/>
+                      </a:schemeClr>
+                    </a:gs>
+                    <a:gs pos="100000">
+                      <a:schemeClr val="accent1">
+                        <a:tint val="40000"/>
+                        <a:satMod val="250000"/>
+                      </a:schemeClr>
+                    </a:gs>
+                  </a:gsLst>
+                  <a:lin ang="5400000"/>
+                </a:gradFill>
                 <a:latin typeface="Batang" pitchFamily="82" charset="-128"/>
                 <a:ea typeface="Batang" pitchFamily="82" charset="-128"/>
               </a:rPr>
               <a:t> Website</a:t>
             </a:r>
             <a:endParaRPr lang="en-US" sz="3600" b="1" dirty="0">
+              <a:ln w="10541" cmpd="sng">
+                <a:solidFill>
+                  <a:schemeClr val="accent1">
+                    <a:shade val="88000"/>
+                    <a:satMod val="110000"/>
+                  </a:schemeClr>
+                </a:solidFill>
+                <a:prstDash val="solid"/>
+              </a:ln>
+              <a:gradFill>
+                <a:gsLst>
+                  <a:gs pos="0">
+                    <a:schemeClr val="accent1">
+                      <a:tint val="40000"/>
+                      <a:satMod val="250000"/>
+                    </a:schemeClr>
+                  </a:gs>
+                  <a:gs pos="9000">
+                    <a:schemeClr val="accent1">
+                      <a:tint val="52000"/>
+                      <a:satMod val="300000"/>
+                    </a:schemeClr>
+                  </a:gs>
+                  <a:gs pos="50000">
+                    <a:schemeClr val="accent1">
+                      <a:shade val="20000"/>
+                      <a:satMod val="300000"/>
+                    </a:schemeClr>
+                  </a:gs>
+                  <a:gs pos="79000">
+                    <a:schemeClr val="accent1">
+                      <a:tint val="52000"/>
+                      <a:satMod val="300000"/>
+                    </a:schemeClr>
+                  </a:gs>
+                  <a:gs pos="100000">
+                    <a:schemeClr val="accent1">
+                      <a:tint val="40000"/>
+                      <a:satMod val="250000"/>
+                    </a:schemeClr>
+                  </a:gs>
+                </a:gsLst>
+                <a:lin ang="5400000"/>
+              </a:gradFill>
               <a:latin typeface="Batang" pitchFamily="82" charset="-128"/>
               <a:ea typeface="Batang" pitchFamily="82" charset="-128"/>
             </a:endParaRPr>
